--- a/topics_partijen.pptx
+++ b/topics_partijen.pptx
@@ -107,6 +107,11 @@
       </a:defRPr>
     </a:lvl9pPr>
   </p:defaultTextStyle>
+  <p:extLst>
+    <p:ext uri="{EFAFB233-063F-42B5-8137-9DF3F51BA10A}">
+      <p15:sldGuideLst xmlns:p15="http://schemas.microsoft.com/office/powerpoint/2012/main"/>
+    </p:ext>
+  </p:extLst>
 </p:presentation>
 </file>
 
@@ -259,7 +264,7 @@
           <a:p>
             <a:fld id="{3762855A-8E56-4159-9E6D-2FC2C39233FE}" type="datetimeFigureOut">
               <a:rPr lang="en-GB" smtClean="0"/>
-              <a:t>15/02/2021</a:t>
+              <a:t>16/02/2021</a:t>
             </a:fld>
             <a:endParaRPr lang="en-GB"/>
           </a:p>
@@ -459,7 +464,7 @@
           <a:p>
             <a:fld id="{3762855A-8E56-4159-9E6D-2FC2C39233FE}" type="datetimeFigureOut">
               <a:rPr lang="en-GB" smtClean="0"/>
-              <a:t>15/02/2021</a:t>
+              <a:t>16/02/2021</a:t>
             </a:fld>
             <a:endParaRPr lang="en-GB"/>
           </a:p>
@@ -669,7 +674,7 @@
           <a:p>
             <a:fld id="{3762855A-8E56-4159-9E6D-2FC2C39233FE}" type="datetimeFigureOut">
               <a:rPr lang="en-GB" smtClean="0"/>
-              <a:t>15/02/2021</a:t>
+              <a:t>16/02/2021</a:t>
             </a:fld>
             <a:endParaRPr lang="en-GB"/>
           </a:p>
@@ -869,7 +874,7 @@
           <a:p>
             <a:fld id="{3762855A-8E56-4159-9E6D-2FC2C39233FE}" type="datetimeFigureOut">
               <a:rPr lang="en-GB" smtClean="0"/>
-              <a:t>15/02/2021</a:t>
+              <a:t>16/02/2021</a:t>
             </a:fld>
             <a:endParaRPr lang="en-GB"/>
           </a:p>
@@ -1145,7 +1150,7 @@
           <a:p>
             <a:fld id="{3762855A-8E56-4159-9E6D-2FC2C39233FE}" type="datetimeFigureOut">
               <a:rPr lang="en-GB" smtClean="0"/>
-              <a:t>15/02/2021</a:t>
+              <a:t>16/02/2021</a:t>
             </a:fld>
             <a:endParaRPr lang="en-GB"/>
           </a:p>
@@ -1413,7 +1418,7 @@
           <a:p>
             <a:fld id="{3762855A-8E56-4159-9E6D-2FC2C39233FE}" type="datetimeFigureOut">
               <a:rPr lang="en-GB" smtClean="0"/>
-              <a:t>15/02/2021</a:t>
+              <a:t>16/02/2021</a:t>
             </a:fld>
             <a:endParaRPr lang="en-GB"/>
           </a:p>
@@ -1828,7 +1833,7 @@
           <a:p>
             <a:fld id="{3762855A-8E56-4159-9E6D-2FC2C39233FE}" type="datetimeFigureOut">
               <a:rPr lang="en-GB" smtClean="0"/>
-              <a:t>15/02/2021</a:t>
+              <a:t>16/02/2021</a:t>
             </a:fld>
             <a:endParaRPr lang="en-GB"/>
           </a:p>
@@ -1970,7 +1975,7 @@
           <a:p>
             <a:fld id="{3762855A-8E56-4159-9E6D-2FC2C39233FE}" type="datetimeFigureOut">
               <a:rPr lang="en-GB" smtClean="0"/>
-              <a:t>15/02/2021</a:t>
+              <a:t>16/02/2021</a:t>
             </a:fld>
             <a:endParaRPr lang="en-GB"/>
           </a:p>
@@ -2083,7 +2088,7 @@
           <a:p>
             <a:fld id="{3762855A-8E56-4159-9E6D-2FC2C39233FE}" type="datetimeFigureOut">
               <a:rPr lang="en-GB" smtClean="0"/>
-              <a:t>15/02/2021</a:t>
+              <a:t>16/02/2021</a:t>
             </a:fld>
             <a:endParaRPr lang="en-GB"/>
           </a:p>
@@ -2396,7 +2401,7 @@
           <a:p>
             <a:fld id="{3762855A-8E56-4159-9E6D-2FC2C39233FE}" type="datetimeFigureOut">
               <a:rPr lang="en-GB" smtClean="0"/>
-              <a:t>15/02/2021</a:t>
+              <a:t>16/02/2021</a:t>
             </a:fld>
             <a:endParaRPr lang="en-GB"/>
           </a:p>
@@ -2685,7 +2690,7 @@
           <a:p>
             <a:fld id="{3762855A-8E56-4159-9E6D-2FC2C39233FE}" type="datetimeFigureOut">
               <a:rPr lang="en-GB" smtClean="0"/>
-              <a:t>15/02/2021</a:t>
+              <a:t>16/02/2021</a:t>
             </a:fld>
             <a:endParaRPr lang="en-GB"/>
           </a:p>
@@ -2928,7 +2933,7 @@
           <a:p>
             <a:fld id="{3762855A-8E56-4159-9E6D-2FC2C39233FE}" type="datetimeFigureOut">
               <a:rPr lang="en-GB" smtClean="0"/>
-              <a:t>15/02/2021</a:t>
+              <a:t>16/02/2021</a:t>
             </a:fld>
             <a:endParaRPr lang="en-GB"/>
           </a:p>
@@ -3355,7 +3360,7 @@
       </p:grpSpPr>
       <p:sp>
         <p:nvSpPr>
-          <p:cNvPr id="12" name="Rectangle 11">
+          <p:cNvPr id="17" name="Rectangle 16">
             <a:extLst>
               <a:ext uri="{FF2B5EF4-FFF2-40B4-BE49-F238E27FC236}">
                 <a16:creationId xmlns:a16="http://schemas.microsoft.com/office/drawing/2014/main" id="{42A4FC2C-047E-45A5-965D-8E1E3BF09BC6}"/>
@@ -3510,10 +3515,10 @@
       </p:sp>
       <p:pic>
         <p:nvPicPr>
-          <p:cNvPr id="7" name="Picture 6" descr="A picture containing scatter chart&#10;&#10;Description automatically generated">
-            <a:extLst>
-              <a:ext uri="{FF2B5EF4-FFF2-40B4-BE49-F238E27FC236}">
-                <a16:creationId xmlns:a16="http://schemas.microsoft.com/office/drawing/2014/main" id="{AEC69885-F266-475F-BFDE-AC08D7520182}"/>
+          <p:cNvPr id="2" name="Picture 1">
+            <a:extLst>
+              <a:ext uri="{FF2B5EF4-FFF2-40B4-BE49-F238E27FC236}">
+                <a16:creationId xmlns:a16="http://schemas.microsoft.com/office/drawing/2014/main" id="{A7DC32B4-683A-4EBF-85B7-B17B7C5C88A0}"/>
               </a:ext>
             </a:extLst>
           </p:cNvPr>
@@ -3523,14 +3528,8 @@
           <p:nvPr/>
         </p:nvPicPr>
         <p:blipFill rotWithShape="1">
-          <a:blip r:embed="rId2">
-            <a:extLst>
-              <a:ext uri="{28A0092B-C50C-407E-A947-70E740481C1C}">
-                <a14:useLocalDpi xmlns:a14="http://schemas.microsoft.com/office/drawing/2010/main" val="0"/>
-              </a:ext>
-            </a:extLst>
-          </a:blip>
-          <a:srcRect t="393" b="6649"/>
+          <a:blip r:embed="rId2"/>
+          <a:srcRect b="3452"/>
           <a:stretch/>
         </p:blipFill>
         <p:spPr>
@@ -3543,6 +3542,263 @@
           </a:prstGeom>
         </p:spPr>
       </p:pic>
+      <p:sp>
+        <p:nvSpPr>
+          <p:cNvPr id="3" name="TextBox 2">
+            <a:extLst>
+              <a:ext uri="{FF2B5EF4-FFF2-40B4-BE49-F238E27FC236}">
+                <a16:creationId xmlns:a16="http://schemas.microsoft.com/office/drawing/2014/main" id="{9577DD22-D98D-4CCD-B7B6-9781F45D9DBE}"/>
+              </a:ext>
+            </a:extLst>
+          </p:cNvPr>
+          <p:cNvSpPr txBox="1"/>
+          <p:nvPr/>
+        </p:nvSpPr>
+        <p:spPr>
+          <a:xfrm>
+            <a:off x="8190451" y="5876343"/>
+            <a:ext cx="3858935" cy="830997"/>
+          </a:xfrm>
+          <a:prstGeom prst="rect">
+            <a:avLst/>
+          </a:prstGeom>
+        </p:spPr>
+        <p:style>
+          <a:lnRef idx="2">
+            <a:schemeClr val="dk1"/>
+          </a:lnRef>
+          <a:fillRef idx="1">
+            <a:schemeClr val="lt1"/>
+          </a:fillRef>
+          <a:effectRef idx="0">
+            <a:schemeClr val="dk1"/>
+          </a:effectRef>
+          <a:fontRef idx="minor">
+            <a:schemeClr val="dk1"/>
+          </a:fontRef>
+        </p:style>
+        <p:txBody>
+          <a:bodyPr wrap="square" rtlCol="0">
+            <a:spAutoFit/>
+          </a:bodyPr>
+          <a:lstStyle/>
+          <a:p>
+            <a:r>
+              <a:rPr lang="nl-NL" sz="2400" b="1" dirty="0"/>
+              <a:t>2D Kamer debat-topics van kamerdebatten in 2019</a:t>
+            </a:r>
+          </a:p>
+        </p:txBody>
+      </p:sp>
+      <p:sp>
+        <p:nvSpPr>
+          <p:cNvPr id="8" name="TextBox 7">
+            <a:extLst>
+              <a:ext uri="{FF2B5EF4-FFF2-40B4-BE49-F238E27FC236}">
+                <a16:creationId xmlns:a16="http://schemas.microsoft.com/office/drawing/2014/main" id="{B1C5666C-53D8-41F5-B495-7E5DEADD53DF}"/>
+              </a:ext>
+            </a:extLst>
+          </p:cNvPr>
+          <p:cNvSpPr txBox="1"/>
+          <p:nvPr/>
+        </p:nvSpPr>
+        <p:spPr>
+          <a:xfrm>
+            <a:off x="687897" y="730555"/>
+            <a:ext cx="2768369" cy="338554"/>
+          </a:xfrm>
+          <a:prstGeom prst="rect">
+            <a:avLst/>
+          </a:prstGeom>
+          <a:solidFill>
+            <a:schemeClr val="accent5">
+              <a:lumMod val="75000"/>
+            </a:schemeClr>
+          </a:solidFill>
+        </p:spPr>
+        <p:style>
+          <a:lnRef idx="2">
+            <a:schemeClr val="accent5"/>
+          </a:lnRef>
+          <a:fillRef idx="1">
+            <a:schemeClr val="lt1"/>
+          </a:fillRef>
+          <a:effectRef idx="0">
+            <a:schemeClr val="accent5"/>
+          </a:effectRef>
+          <a:fontRef idx="minor">
+            <a:schemeClr val="dk1"/>
+          </a:fontRef>
+        </p:style>
+        <p:txBody>
+          <a:bodyPr wrap="square" rtlCol="0">
+            <a:spAutoFit/>
+          </a:bodyPr>
+          <a:lstStyle/>
+          <a:p>
+            <a:r>
+              <a:rPr lang="nl-NL" sz="1600" b="1" dirty="0"/>
+              <a:t>Doorrekenen klimaat doelen</a:t>
+            </a:r>
+          </a:p>
+        </p:txBody>
+      </p:sp>
+      <p:sp>
+        <p:nvSpPr>
+          <p:cNvPr id="9" name="TextBox 8">
+            <a:extLst>
+              <a:ext uri="{FF2B5EF4-FFF2-40B4-BE49-F238E27FC236}">
+                <a16:creationId xmlns:a16="http://schemas.microsoft.com/office/drawing/2014/main" id="{7FD6A612-CA43-43BE-88F8-EF1246E22BD7}"/>
+              </a:ext>
+            </a:extLst>
+          </p:cNvPr>
+          <p:cNvSpPr txBox="1"/>
+          <p:nvPr/>
+        </p:nvSpPr>
+        <p:spPr>
+          <a:xfrm>
+            <a:off x="7743039" y="4389553"/>
+            <a:ext cx="1670809" cy="584775"/>
+          </a:xfrm>
+          <a:prstGeom prst="rect">
+            <a:avLst/>
+          </a:prstGeom>
+          <a:solidFill>
+            <a:srgbClr val="FAB28A"/>
+          </a:solidFill>
+        </p:spPr>
+        <p:style>
+          <a:lnRef idx="2">
+            <a:schemeClr val="accent5"/>
+          </a:lnRef>
+          <a:fillRef idx="1">
+            <a:schemeClr val="lt1"/>
+          </a:fillRef>
+          <a:effectRef idx="0">
+            <a:schemeClr val="accent5"/>
+          </a:effectRef>
+          <a:fontRef idx="minor">
+            <a:schemeClr val="dk1"/>
+          </a:fontRef>
+        </p:style>
+        <p:txBody>
+          <a:bodyPr wrap="square" rtlCol="0">
+            <a:spAutoFit/>
+          </a:bodyPr>
+          <a:lstStyle/>
+          <a:p>
+            <a:r>
+              <a:rPr lang="nl-NL" sz="1600" b="1" dirty="0"/>
+              <a:t>Gedetineerden gevangeniswezen</a:t>
+            </a:r>
+          </a:p>
+        </p:txBody>
+      </p:sp>
+      <p:sp>
+        <p:nvSpPr>
+          <p:cNvPr id="10" name="TextBox 9">
+            <a:extLst>
+              <a:ext uri="{FF2B5EF4-FFF2-40B4-BE49-F238E27FC236}">
+                <a16:creationId xmlns:a16="http://schemas.microsoft.com/office/drawing/2014/main" id="{91AD2BA6-00EB-4984-A79F-BC85D9C0CC1D}"/>
+              </a:ext>
+            </a:extLst>
+          </p:cNvPr>
+          <p:cNvSpPr txBox="1"/>
+          <p:nvPr/>
+        </p:nvSpPr>
+        <p:spPr>
+          <a:xfrm>
+            <a:off x="2072081" y="6122565"/>
+            <a:ext cx="1670809" cy="338554"/>
+          </a:xfrm>
+          <a:prstGeom prst="rect">
+            <a:avLst/>
+          </a:prstGeom>
+          <a:solidFill>
+            <a:srgbClr val="00B0F0"/>
+          </a:solidFill>
+        </p:spPr>
+        <p:style>
+          <a:lnRef idx="2">
+            <a:schemeClr val="accent5"/>
+          </a:lnRef>
+          <a:fillRef idx="1">
+            <a:schemeClr val="lt1"/>
+          </a:fillRef>
+          <a:effectRef idx="0">
+            <a:schemeClr val="accent5"/>
+          </a:effectRef>
+          <a:fontRef idx="minor">
+            <a:schemeClr val="dk1"/>
+          </a:fontRef>
+        </p:style>
+        <p:txBody>
+          <a:bodyPr wrap="square" rtlCol="0">
+            <a:spAutoFit/>
+          </a:bodyPr>
+          <a:lstStyle/>
+          <a:p>
+            <a:r>
+              <a:rPr lang="nl-NL" sz="1600" b="1" dirty="0"/>
+              <a:t>participatiewet</a:t>
+            </a:r>
+          </a:p>
+        </p:txBody>
+      </p:sp>
+      <p:sp>
+        <p:nvSpPr>
+          <p:cNvPr id="11" name="TextBox 10">
+            <a:extLst>
+              <a:ext uri="{FF2B5EF4-FFF2-40B4-BE49-F238E27FC236}">
+                <a16:creationId xmlns:a16="http://schemas.microsoft.com/office/drawing/2014/main" id="{A94BFC74-3086-463C-A0FD-B36252307581}"/>
+              </a:ext>
+            </a:extLst>
+          </p:cNvPr>
+          <p:cNvSpPr txBox="1"/>
+          <p:nvPr/>
+        </p:nvSpPr>
+        <p:spPr>
+          <a:xfrm>
+            <a:off x="3456266" y="2723370"/>
+            <a:ext cx="1670809" cy="338554"/>
+          </a:xfrm>
+          <a:prstGeom prst="rect">
+            <a:avLst/>
+          </a:prstGeom>
+          <a:solidFill>
+            <a:schemeClr val="accent4">
+              <a:lumMod val="60000"/>
+              <a:lumOff val="40000"/>
+            </a:schemeClr>
+          </a:solidFill>
+        </p:spPr>
+        <p:style>
+          <a:lnRef idx="2">
+            <a:schemeClr val="accent5"/>
+          </a:lnRef>
+          <a:fillRef idx="1">
+            <a:schemeClr val="lt1"/>
+          </a:fillRef>
+          <a:effectRef idx="0">
+            <a:schemeClr val="accent5"/>
+          </a:effectRef>
+          <a:fontRef idx="minor">
+            <a:schemeClr val="dk1"/>
+          </a:fontRef>
+        </p:style>
+        <p:txBody>
+          <a:bodyPr wrap="square" rtlCol="0">
+            <a:spAutoFit/>
+          </a:bodyPr>
+          <a:lstStyle/>
+          <a:p>
+            <a:r>
+              <a:rPr lang="nl-NL" sz="1600" b="1" dirty="0"/>
+              <a:t>Zzp verzekereing</a:t>
+            </a:r>
+          </a:p>
+        </p:txBody>
+      </p:sp>
     </p:spTree>
     <p:extLst>
       <p:ext uri="{BB962C8B-B14F-4D97-AF65-F5344CB8AC3E}">
